--- a/doc/final_presentation.pptx
+++ b/doc/final_presentation.pptx
@@ -10,7 +10,9 @@
     <p:sldId id="258" r:id="rId4"/>
     <p:sldId id="259" r:id="rId5"/>
     <p:sldId id="260" r:id="rId6"/>
-    <p:sldId id="261" r:id="rId7"/>
+    <p:sldId id="262" r:id="rId7"/>
+    <p:sldId id="263" r:id="rId8"/>
+    <p:sldId id="261" r:id="rId9"/>
   </p:sldIdLst>
   <p:sldSz cx="12192000" cy="6858000"/>
   <p:notesSz cx="6858000" cy="9144000"/>
@@ -3647,6 +3649,172 @@
           <p:cNvPr id="2" name="Title 1">
             <a:extLst>
               <a:ext uri="{FF2B5EF4-FFF2-40B4-BE49-F238E27FC236}">
+                <a16:creationId xmlns:a16="http://schemas.microsoft.com/office/drawing/2014/main" id="{0D5BC22C-D650-789F-9814-D6029B2A444F}"/>
+              </a:ext>
+            </a:extLst>
+          </p:cNvPr>
+          <p:cNvSpPr>
+            <a:spLocks noGrp="1"/>
+          </p:cNvSpPr>
+          <p:nvPr>
+            <p:ph type="title"/>
+          </p:nvPr>
+        </p:nvSpPr>
+        <p:spPr/>
+        <p:txBody>
+          <a:bodyPr/>
+          <a:lstStyle/>
+          <a:p>
+            <a:r>
+              <a:rPr lang="en-KR" dirty="0"/>
+              <a:t>Experimental Setup</a:t>
+            </a:r>
+          </a:p>
+        </p:txBody>
+      </p:sp>
+      <p:sp>
+        <p:nvSpPr>
+          <p:cNvPr id="3" name="Content Placeholder 2">
+            <a:extLst>
+              <a:ext uri="{FF2B5EF4-FFF2-40B4-BE49-F238E27FC236}">
+                <a16:creationId xmlns:a16="http://schemas.microsoft.com/office/drawing/2014/main" id="{3ED489FA-6E42-08FC-DE9C-BB3852561EFB}"/>
+              </a:ext>
+            </a:extLst>
+          </p:cNvPr>
+          <p:cNvSpPr>
+            <a:spLocks noGrp="1"/>
+          </p:cNvSpPr>
+          <p:nvPr>
+            <p:ph idx="1"/>
+          </p:nvPr>
+        </p:nvSpPr>
+        <p:spPr/>
+        <p:txBody>
+          <a:bodyPr/>
+          <a:lstStyle/>
+          <a:p>
+            <a:endParaRPr lang="en-KR"/>
+          </a:p>
+        </p:txBody>
+      </p:sp>
+    </p:spTree>
+    <p:extLst>
+      <p:ext uri="{BB962C8B-B14F-4D97-AF65-F5344CB8AC3E}">
+        <p14:creationId xmlns:p14="http://schemas.microsoft.com/office/powerpoint/2010/main" val="1075472204"/>
+      </p:ext>
+    </p:extLst>
+  </p:cSld>
+  <p:clrMapOvr>
+    <a:masterClrMapping/>
+  </p:clrMapOvr>
+</p:sld>
+</file>
+
+<file path=ppt/slides/slide7.xml><?xml version="1.0" encoding="utf-8"?>
+<p:sld xmlns:a="http://schemas.openxmlformats.org/drawingml/2006/main" xmlns:r="http://schemas.openxmlformats.org/officeDocument/2006/relationships" xmlns:p="http://schemas.openxmlformats.org/presentationml/2006/main">
+  <p:cSld>
+    <p:spTree>
+      <p:nvGrpSpPr>
+        <p:cNvPr id="1" name=""/>
+        <p:cNvGrpSpPr/>
+        <p:nvPr/>
+      </p:nvGrpSpPr>
+      <p:grpSpPr>
+        <a:xfrm>
+          <a:off x="0" y="0"/>
+          <a:ext cx="0" cy="0"/>
+          <a:chOff x="0" y="0"/>
+          <a:chExt cx="0" cy="0"/>
+        </a:xfrm>
+      </p:grpSpPr>
+      <p:sp>
+        <p:nvSpPr>
+          <p:cNvPr id="2" name="Title 1">
+            <a:extLst>
+              <a:ext uri="{FF2B5EF4-FFF2-40B4-BE49-F238E27FC236}">
+                <a16:creationId xmlns:a16="http://schemas.microsoft.com/office/drawing/2014/main" id="{0623C6CB-896B-F1D8-8B33-77CD321631AD}"/>
+              </a:ext>
+            </a:extLst>
+          </p:cNvPr>
+          <p:cNvSpPr>
+            <a:spLocks noGrp="1"/>
+          </p:cNvSpPr>
+          <p:nvPr>
+            <p:ph type="title"/>
+          </p:nvPr>
+        </p:nvSpPr>
+        <p:spPr/>
+        <p:txBody>
+          <a:bodyPr/>
+          <a:lstStyle/>
+          <a:p>
+            <a:r>
+              <a:rPr lang="en-KR"/>
+              <a:t>Results</a:t>
+            </a:r>
+          </a:p>
+        </p:txBody>
+      </p:sp>
+      <p:sp>
+        <p:nvSpPr>
+          <p:cNvPr id="3" name="Content Placeholder 2">
+            <a:extLst>
+              <a:ext uri="{FF2B5EF4-FFF2-40B4-BE49-F238E27FC236}">
+                <a16:creationId xmlns:a16="http://schemas.microsoft.com/office/drawing/2014/main" id="{96B69878-5AA3-1B07-6BD5-87545B56A18A}"/>
+              </a:ext>
+            </a:extLst>
+          </p:cNvPr>
+          <p:cNvSpPr>
+            <a:spLocks noGrp="1"/>
+          </p:cNvSpPr>
+          <p:nvPr>
+            <p:ph idx="1"/>
+          </p:nvPr>
+        </p:nvSpPr>
+        <p:spPr/>
+        <p:txBody>
+          <a:bodyPr/>
+          <a:lstStyle/>
+          <a:p>
+            <a:endParaRPr lang="en-KR"/>
+          </a:p>
+        </p:txBody>
+      </p:sp>
+    </p:spTree>
+    <p:extLst>
+      <p:ext uri="{BB962C8B-B14F-4D97-AF65-F5344CB8AC3E}">
+        <p14:creationId xmlns:p14="http://schemas.microsoft.com/office/powerpoint/2010/main" val="3051217756"/>
+      </p:ext>
+    </p:extLst>
+  </p:cSld>
+  <p:clrMapOvr>
+    <a:masterClrMapping/>
+  </p:clrMapOvr>
+</p:sld>
+</file>
+
+<file path=ppt/slides/slide8.xml><?xml version="1.0" encoding="utf-8"?>
+<p:sld xmlns:a="http://schemas.openxmlformats.org/drawingml/2006/main" xmlns:r="http://schemas.openxmlformats.org/officeDocument/2006/relationships" xmlns:p="http://schemas.openxmlformats.org/presentationml/2006/main">
+  <p:cSld>
+    <p:spTree>
+      <p:nvGrpSpPr>
+        <p:cNvPr id="1" name=""/>
+        <p:cNvGrpSpPr/>
+        <p:nvPr/>
+      </p:nvGrpSpPr>
+      <p:grpSpPr>
+        <a:xfrm>
+          <a:off x="0" y="0"/>
+          <a:ext cx="0" cy="0"/>
+          <a:chOff x="0" y="0"/>
+          <a:chExt cx="0" cy="0"/>
+        </a:xfrm>
+      </p:grpSpPr>
+      <p:sp>
+        <p:nvSpPr>
+          <p:cNvPr id="2" name="Title 1">
+            <a:extLst>
+              <a:ext uri="{FF2B5EF4-FFF2-40B4-BE49-F238E27FC236}">
                 <a16:creationId xmlns:a16="http://schemas.microsoft.com/office/drawing/2014/main" id="{93720525-99B1-E0A6-5824-7C9BE152DFC9}"/>
               </a:ext>
             </a:extLst>
@@ -3746,7 +3914,7 @@
               <a:t> neural network does not guarantee verification of original neural network and interval neural network (representation of </a:t>
             </a:r>
             <a:r>
-              <a:rPr lang="en-US"/>
+              <a:rPr lang="en-US" dirty="0" err="1"/>
               <a:t>unquantised</a:t>
             </a:r>
             <a:r>

--- a/doc/final_presentation.pptx
+++ b/doc/final_presentation.pptx
@@ -13,6 +13,7 @@
     <p:sldId id="262" r:id="rId7"/>
     <p:sldId id="263" r:id="rId8"/>
     <p:sldId id="261" r:id="rId9"/>
+    <p:sldId id="264" r:id="rId10"/>
   </p:sldIdLst>
   <p:sldSz cx="12192000" cy="6858000"/>
   <p:notesSz cx="6858000" cy="9144000"/>
@@ -111,6 +112,11 @@
       </a:defRPr>
     </a:lvl9pPr>
   </p:defaultTextStyle>
+  <p:extLst>
+    <p:ext uri="{EFAFB233-063F-42B5-8137-9DF3F51BA10A}">
+      <p15:sldGuideLst xmlns:p15="http://schemas.microsoft.com/office/powerpoint/2012/main"/>
+    </p:ext>
+  </p:extLst>
 </p:presentation>
 </file>
 
@@ -245,7 +251,7 @@
           <a:p>
             <a:fld id="{7AB65C82-860C-614F-A146-DA36543B89CF}" type="datetimeFigureOut">
               <a:rPr lang="en-KR" smtClean="0"/>
-              <a:t>11/27/24</a:t>
+              <a:t>11/28/24</a:t>
             </a:fld>
             <a:endParaRPr lang="en-KR"/>
           </a:p>
@@ -415,7 +421,7 @@
           <a:p>
             <a:fld id="{7AB65C82-860C-614F-A146-DA36543B89CF}" type="datetimeFigureOut">
               <a:rPr lang="en-KR" smtClean="0"/>
-              <a:t>11/27/24</a:t>
+              <a:t>11/28/24</a:t>
             </a:fld>
             <a:endParaRPr lang="en-KR"/>
           </a:p>
@@ -595,7 +601,7 @@
           <a:p>
             <a:fld id="{7AB65C82-860C-614F-A146-DA36543B89CF}" type="datetimeFigureOut">
               <a:rPr lang="en-KR" smtClean="0"/>
-              <a:t>11/27/24</a:t>
+              <a:t>11/28/24</a:t>
             </a:fld>
             <a:endParaRPr lang="en-KR"/>
           </a:p>
@@ -765,7 +771,7 @@
           <a:p>
             <a:fld id="{7AB65C82-860C-614F-A146-DA36543B89CF}" type="datetimeFigureOut">
               <a:rPr lang="en-KR" smtClean="0"/>
-              <a:t>11/27/24</a:t>
+              <a:t>11/28/24</a:t>
             </a:fld>
             <a:endParaRPr lang="en-KR"/>
           </a:p>
@@ -1011,7 +1017,7 @@
           <a:p>
             <a:fld id="{7AB65C82-860C-614F-A146-DA36543B89CF}" type="datetimeFigureOut">
               <a:rPr lang="en-KR" smtClean="0"/>
-              <a:t>11/27/24</a:t>
+              <a:t>11/28/24</a:t>
             </a:fld>
             <a:endParaRPr lang="en-KR"/>
           </a:p>
@@ -1243,7 +1249,7 @@
           <a:p>
             <a:fld id="{7AB65C82-860C-614F-A146-DA36543B89CF}" type="datetimeFigureOut">
               <a:rPr lang="en-KR" smtClean="0"/>
-              <a:t>11/27/24</a:t>
+              <a:t>11/28/24</a:t>
             </a:fld>
             <a:endParaRPr lang="en-KR"/>
           </a:p>
@@ -1610,7 +1616,7 @@
           <a:p>
             <a:fld id="{7AB65C82-860C-614F-A146-DA36543B89CF}" type="datetimeFigureOut">
               <a:rPr lang="en-KR" smtClean="0"/>
-              <a:t>11/27/24</a:t>
+              <a:t>11/28/24</a:t>
             </a:fld>
             <a:endParaRPr lang="en-KR"/>
           </a:p>
@@ -1728,7 +1734,7 @@
           <a:p>
             <a:fld id="{7AB65C82-860C-614F-A146-DA36543B89CF}" type="datetimeFigureOut">
               <a:rPr lang="en-KR" smtClean="0"/>
-              <a:t>11/27/24</a:t>
+              <a:t>11/28/24</a:t>
             </a:fld>
             <a:endParaRPr lang="en-KR"/>
           </a:p>
@@ -1823,7 +1829,7 @@
           <a:p>
             <a:fld id="{7AB65C82-860C-614F-A146-DA36543B89CF}" type="datetimeFigureOut">
               <a:rPr lang="en-KR" smtClean="0"/>
-              <a:t>11/27/24</a:t>
+              <a:t>11/28/24</a:t>
             </a:fld>
             <a:endParaRPr lang="en-KR"/>
           </a:p>
@@ -2100,7 +2106,7 @@
           <a:p>
             <a:fld id="{7AB65C82-860C-614F-A146-DA36543B89CF}" type="datetimeFigureOut">
               <a:rPr lang="en-KR" smtClean="0"/>
-              <a:t>11/27/24</a:t>
+              <a:t>11/28/24</a:t>
             </a:fld>
             <a:endParaRPr lang="en-KR"/>
           </a:p>
@@ -2357,7 +2363,7 @@
           <a:p>
             <a:fld id="{7AB65C82-860C-614F-A146-DA36543B89CF}" type="datetimeFigureOut">
               <a:rPr lang="en-KR" smtClean="0"/>
-              <a:t>11/27/24</a:t>
+              <a:t>11/28/24</a:t>
             </a:fld>
             <a:endParaRPr lang="en-KR"/>
           </a:p>
@@ -2570,7 +2576,7 @@
           <a:p>
             <a:fld id="{7AB65C82-860C-614F-A146-DA36543B89CF}" type="datetimeFigureOut">
               <a:rPr lang="en-KR" smtClean="0"/>
-              <a:t>11/27/24</a:t>
+              <a:t>11/28/24</a:t>
             </a:fld>
             <a:endParaRPr lang="en-KR"/>
           </a:p>
@@ -3046,11 +3052,58 @@
           <a:p>
             <a:r>
               <a:rPr lang="en-KR" dirty="0"/>
-              <a:t>Youngjae Moon, Weizhe Jiao</a:t>
-            </a:r>
-          </a:p>
-        </p:txBody>
-      </p:sp>
+              <a:t>Youngjae Moon</a:t>
+            </a:r>
+          </a:p>
+        </p:txBody>
+      </p:sp>
+      <p:pic>
+        <p:nvPicPr>
+          <p:cNvPr id="4" name="Picture 2" descr="Vanderbilt University launches refreshed visual identity | Vanderbilt  University">
+            <a:extLst>
+              <a:ext uri="{FF2B5EF4-FFF2-40B4-BE49-F238E27FC236}">
+                <a16:creationId xmlns:a16="http://schemas.microsoft.com/office/drawing/2014/main" id="{57FFCA07-402F-1E17-422E-A108253EF5B1}"/>
+              </a:ext>
+            </a:extLst>
+          </p:cNvPr>
+          <p:cNvPicPr>
+            <a:picLocks noChangeAspect="1" noChangeArrowheads="1"/>
+          </p:cNvPicPr>
+          <p:nvPr/>
+        </p:nvPicPr>
+        <p:blipFill>
+          <a:blip r:embed="rId2">
+            <a:extLst>
+              <a:ext uri="{28A0092B-C50C-407E-A947-70E740481C1C}">
+                <a14:useLocalDpi xmlns:a14="http://schemas.microsoft.com/office/drawing/2010/main" val="0"/>
+              </a:ext>
+            </a:extLst>
+          </a:blip>
+          <a:srcRect/>
+          <a:stretch>
+            <a:fillRect/>
+          </a:stretch>
+        </p:blipFill>
+        <p:spPr bwMode="auto">
+          <a:xfrm>
+            <a:off x="10011905" y="6187202"/>
+            <a:ext cx="2180095" cy="670798"/>
+          </a:xfrm>
+          <a:prstGeom prst="rect">
+            <a:avLst/>
+          </a:prstGeom>
+          <a:noFill/>
+          <a:extLst>
+            <a:ext uri="{909E8E84-426E-40DD-AFC4-6F175D3DCCD1}">
+              <a14:hiddenFill xmlns:a14="http://schemas.microsoft.com/office/drawing/2010/main">
+                <a:solidFill>
+                  <a:srgbClr val="FFFFFF"/>
+                </a:solidFill>
+              </a14:hiddenFill>
+            </a:ext>
+          </a:extLst>
+        </p:spPr>
+      </p:pic>
     </p:spTree>
     <p:extLst>
       <p:ext uri="{BB962C8B-B14F-4D97-AF65-F5344CB8AC3E}">
@@ -3182,6 +3235,53 @@
           </a:p>
         </p:txBody>
       </p:sp>
+      <p:pic>
+        <p:nvPicPr>
+          <p:cNvPr id="4" name="Picture 2" descr="Vanderbilt University launches refreshed visual identity | Vanderbilt  University">
+            <a:extLst>
+              <a:ext uri="{FF2B5EF4-FFF2-40B4-BE49-F238E27FC236}">
+                <a16:creationId xmlns:a16="http://schemas.microsoft.com/office/drawing/2014/main" id="{056DAD11-0CBF-CB0B-0AA2-EC4EBA5927C3}"/>
+              </a:ext>
+            </a:extLst>
+          </p:cNvPr>
+          <p:cNvPicPr>
+            <a:picLocks noChangeAspect="1" noChangeArrowheads="1"/>
+          </p:cNvPicPr>
+          <p:nvPr/>
+        </p:nvPicPr>
+        <p:blipFill>
+          <a:blip r:embed="rId2">
+            <a:extLst>
+              <a:ext uri="{28A0092B-C50C-407E-A947-70E740481C1C}">
+                <a14:useLocalDpi xmlns:a14="http://schemas.microsoft.com/office/drawing/2010/main" val="0"/>
+              </a:ext>
+            </a:extLst>
+          </a:blip>
+          <a:srcRect/>
+          <a:stretch>
+            <a:fillRect/>
+          </a:stretch>
+        </p:blipFill>
+        <p:spPr bwMode="auto">
+          <a:xfrm>
+            <a:off x="10011905" y="6187202"/>
+            <a:ext cx="2180095" cy="670798"/>
+          </a:xfrm>
+          <a:prstGeom prst="rect">
+            <a:avLst/>
+          </a:prstGeom>
+          <a:noFill/>
+          <a:extLst>
+            <a:ext uri="{909E8E84-426E-40DD-AFC4-6F175D3DCCD1}">
+              <a14:hiddenFill xmlns:a14="http://schemas.microsoft.com/office/drawing/2010/main">
+                <a:solidFill>
+                  <a:srgbClr val="FFFFFF"/>
+                </a:solidFill>
+              </a14:hiddenFill>
+            </a:ext>
+          </a:extLst>
+        </p:spPr>
+      </p:pic>
     </p:spTree>
     <p:extLst>
       <p:ext uri="{BB962C8B-B14F-4D97-AF65-F5344CB8AC3E}">
@@ -3302,6 +3402,53 @@
           </a:p>
         </p:txBody>
       </p:sp>
+      <p:pic>
+        <p:nvPicPr>
+          <p:cNvPr id="4" name="Picture 2" descr="Vanderbilt University launches refreshed visual identity | Vanderbilt  University">
+            <a:extLst>
+              <a:ext uri="{FF2B5EF4-FFF2-40B4-BE49-F238E27FC236}">
+                <a16:creationId xmlns:a16="http://schemas.microsoft.com/office/drawing/2014/main" id="{951C2CD4-D145-D77C-156F-B21E832CF103}"/>
+              </a:ext>
+            </a:extLst>
+          </p:cNvPr>
+          <p:cNvPicPr>
+            <a:picLocks noChangeAspect="1" noChangeArrowheads="1"/>
+          </p:cNvPicPr>
+          <p:nvPr/>
+        </p:nvPicPr>
+        <p:blipFill>
+          <a:blip r:embed="rId2">
+            <a:extLst>
+              <a:ext uri="{28A0092B-C50C-407E-A947-70E740481C1C}">
+                <a14:useLocalDpi xmlns:a14="http://schemas.microsoft.com/office/drawing/2010/main" val="0"/>
+              </a:ext>
+            </a:extLst>
+          </a:blip>
+          <a:srcRect/>
+          <a:stretch>
+            <a:fillRect/>
+          </a:stretch>
+        </p:blipFill>
+        <p:spPr bwMode="auto">
+          <a:xfrm>
+            <a:off x="10011905" y="6187202"/>
+            <a:ext cx="2180095" cy="670798"/>
+          </a:xfrm>
+          <a:prstGeom prst="rect">
+            <a:avLst/>
+          </a:prstGeom>
+          <a:noFill/>
+          <a:extLst>
+            <a:ext uri="{909E8E84-426E-40DD-AFC4-6F175D3DCCD1}">
+              <a14:hiddenFill xmlns:a14="http://schemas.microsoft.com/office/drawing/2010/main">
+                <a:solidFill>
+                  <a:srgbClr val="FFFFFF"/>
+                </a:solidFill>
+              </a14:hiddenFill>
+            </a:ext>
+          </a:extLst>
+        </p:spPr>
+      </p:pic>
     </p:spTree>
     <p:extLst>
       <p:ext uri="{BB962C8B-B14F-4D97-AF65-F5344CB8AC3E}">
@@ -3454,6 +3601,53 @@
           </a:p>
         </p:txBody>
       </p:sp>
+      <p:pic>
+        <p:nvPicPr>
+          <p:cNvPr id="4" name="Picture 2" descr="Vanderbilt University launches refreshed visual identity | Vanderbilt  University">
+            <a:extLst>
+              <a:ext uri="{FF2B5EF4-FFF2-40B4-BE49-F238E27FC236}">
+                <a16:creationId xmlns:a16="http://schemas.microsoft.com/office/drawing/2014/main" id="{7028A72A-F04B-589D-8455-E35C8C1E6F9D}"/>
+              </a:ext>
+            </a:extLst>
+          </p:cNvPr>
+          <p:cNvPicPr>
+            <a:picLocks noChangeAspect="1" noChangeArrowheads="1"/>
+          </p:cNvPicPr>
+          <p:nvPr/>
+        </p:nvPicPr>
+        <p:blipFill>
+          <a:blip r:embed="rId2">
+            <a:extLst>
+              <a:ext uri="{28A0092B-C50C-407E-A947-70E740481C1C}">
+                <a14:useLocalDpi xmlns:a14="http://schemas.microsoft.com/office/drawing/2010/main" val="0"/>
+              </a:ext>
+            </a:extLst>
+          </a:blip>
+          <a:srcRect/>
+          <a:stretch>
+            <a:fillRect/>
+          </a:stretch>
+        </p:blipFill>
+        <p:spPr bwMode="auto">
+          <a:xfrm>
+            <a:off x="10011905" y="6187202"/>
+            <a:ext cx="2180095" cy="670798"/>
+          </a:xfrm>
+          <a:prstGeom prst="rect">
+            <a:avLst/>
+          </a:prstGeom>
+          <a:noFill/>
+          <a:extLst>
+            <a:ext uri="{909E8E84-426E-40DD-AFC4-6F175D3DCCD1}">
+              <a14:hiddenFill xmlns:a14="http://schemas.microsoft.com/office/drawing/2010/main">
+                <a:solidFill>
+                  <a:srgbClr val="FFFFFF"/>
+                </a:solidFill>
+              </a14:hiddenFill>
+            </a:ext>
+          </a:extLst>
+        </p:spPr>
+      </p:pic>
     </p:spTree>
     <p:extLst>
       <p:ext uri="{BB962C8B-B14F-4D97-AF65-F5344CB8AC3E}">
@@ -3614,6 +3808,53 @@
           </a:p>
         </p:txBody>
       </p:sp>
+      <p:pic>
+        <p:nvPicPr>
+          <p:cNvPr id="4" name="Picture 2" descr="Vanderbilt University launches refreshed visual identity | Vanderbilt  University">
+            <a:extLst>
+              <a:ext uri="{FF2B5EF4-FFF2-40B4-BE49-F238E27FC236}">
+                <a16:creationId xmlns:a16="http://schemas.microsoft.com/office/drawing/2014/main" id="{D6A13920-03E8-5C9E-8CD6-C913CBA953D3}"/>
+              </a:ext>
+            </a:extLst>
+          </p:cNvPr>
+          <p:cNvPicPr>
+            <a:picLocks noChangeAspect="1" noChangeArrowheads="1"/>
+          </p:cNvPicPr>
+          <p:nvPr/>
+        </p:nvPicPr>
+        <p:blipFill>
+          <a:blip r:embed="rId2">
+            <a:extLst>
+              <a:ext uri="{28A0092B-C50C-407E-A947-70E740481C1C}">
+                <a14:useLocalDpi xmlns:a14="http://schemas.microsoft.com/office/drawing/2010/main" val="0"/>
+              </a:ext>
+            </a:extLst>
+          </a:blip>
+          <a:srcRect/>
+          <a:stretch>
+            <a:fillRect/>
+          </a:stretch>
+        </p:blipFill>
+        <p:spPr bwMode="auto">
+          <a:xfrm>
+            <a:off x="10011905" y="6187202"/>
+            <a:ext cx="2180095" cy="670798"/>
+          </a:xfrm>
+          <a:prstGeom prst="rect">
+            <a:avLst/>
+          </a:prstGeom>
+          <a:noFill/>
+          <a:extLst>
+            <a:ext uri="{909E8E84-426E-40DD-AFC4-6F175D3DCCD1}">
+              <a14:hiddenFill xmlns:a14="http://schemas.microsoft.com/office/drawing/2010/main">
+                <a:solidFill>
+                  <a:srgbClr val="FFFFFF"/>
+                </a:solidFill>
+              </a14:hiddenFill>
+            </a:ext>
+          </a:extLst>
+        </p:spPr>
+      </p:pic>
     </p:spTree>
     <p:extLst>
       <p:ext uri="{BB962C8B-B14F-4D97-AF65-F5344CB8AC3E}">
@@ -3697,6 +3938,53 @@
           </a:p>
         </p:txBody>
       </p:sp>
+      <p:pic>
+        <p:nvPicPr>
+          <p:cNvPr id="4" name="Picture 2" descr="Vanderbilt University launches refreshed visual identity | Vanderbilt  University">
+            <a:extLst>
+              <a:ext uri="{FF2B5EF4-FFF2-40B4-BE49-F238E27FC236}">
+                <a16:creationId xmlns:a16="http://schemas.microsoft.com/office/drawing/2014/main" id="{3B81374F-AC3B-F589-3F83-5F5105630AA5}"/>
+              </a:ext>
+            </a:extLst>
+          </p:cNvPr>
+          <p:cNvPicPr>
+            <a:picLocks noChangeAspect="1" noChangeArrowheads="1"/>
+          </p:cNvPicPr>
+          <p:nvPr/>
+        </p:nvPicPr>
+        <p:blipFill>
+          <a:blip r:embed="rId2">
+            <a:extLst>
+              <a:ext uri="{28A0092B-C50C-407E-A947-70E740481C1C}">
+                <a14:useLocalDpi xmlns:a14="http://schemas.microsoft.com/office/drawing/2010/main" val="0"/>
+              </a:ext>
+            </a:extLst>
+          </a:blip>
+          <a:srcRect/>
+          <a:stretch>
+            <a:fillRect/>
+          </a:stretch>
+        </p:blipFill>
+        <p:spPr bwMode="auto">
+          <a:xfrm>
+            <a:off x="10011905" y="6187202"/>
+            <a:ext cx="2180095" cy="670798"/>
+          </a:xfrm>
+          <a:prstGeom prst="rect">
+            <a:avLst/>
+          </a:prstGeom>
+          <a:noFill/>
+          <a:extLst>
+            <a:ext uri="{909E8E84-426E-40DD-AFC4-6F175D3DCCD1}">
+              <a14:hiddenFill xmlns:a14="http://schemas.microsoft.com/office/drawing/2010/main">
+                <a:solidFill>
+                  <a:srgbClr val="FFFFFF"/>
+                </a:solidFill>
+              </a14:hiddenFill>
+            </a:ext>
+          </a:extLst>
+        </p:spPr>
+      </p:pic>
     </p:spTree>
     <p:extLst>
       <p:ext uri="{BB962C8B-B14F-4D97-AF65-F5344CB8AC3E}">
@@ -3780,6 +4068,53 @@
           </a:p>
         </p:txBody>
       </p:sp>
+      <p:pic>
+        <p:nvPicPr>
+          <p:cNvPr id="4" name="Picture 2" descr="Vanderbilt University launches refreshed visual identity | Vanderbilt  University">
+            <a:extLst>
+              <a:ext uri="{FF2B5EF4-FFF2-40B4-BE49-F238E27FC236}">
+                <a16:creationId xmlns:a16="http://schemas.microsoft.com/office/drawing/2014/main" id="{D50CD22B-7899-2EA7-284B-49A52CE95292}"/>
+              </a:ext>
+            </a:extLst>
+          </p:cNvPr>
+          <p:cNvPicPr>
+            <a:picLocks noChangeAspect="1" noChangeArrowheads="1"/>
+          </p:cNvPicPr>
+          <p:nvPr/>
+        </p:nvPicPr>
+        <p:blipFill>
+          <a:blip r:embed="rId2">
+            <a:extLst>
+              <a:ext uri="{28A0092B-C50C-407E-A947-70E740481C1C}">
+                <a14:useLocalDpi xmlns:a14="http://schemas.microsoft.com/office/drawing/2010/main" val="0"/>
+              </a:ext>
+            </a:extLst>
+          </a:blip>
+          <a:srcRect/>
+          <a:stretch>
+            <a:fillRect/>
+          </a:stretch>
+        </p:blipFill>
+        <p:spPr bwMode="auto">
+          <a:xfrm>
+            <a:off x="10011905" y="6187202"/>
+            <a:ext cx="2180095" cy="670798"/>
+          </a:xfrm>
+          <a:prstGeom prst="rect">
+            <a:avLst/>
+          </a:prstGeom>
+          <a:noFill/>
+          <a:extLst>
+            <a:ext uri="{909E8E84-426E-40DD-AFC4-6F175D3DCCD1}">
+              <a14:hiddenFill xmlns:a14="http://schemas.microsoft.com/office/drawing/2010/main">
+                <a:solidFill>
+                  <a:srgbClr val="FFFFFF"/>
+                </a:solidFill>
+              </a14:hiddenFill>
+            </a:ext>
+          </a:extLst>
+        </p:spPr>
+      </p:pic>
     </p:spTree>
     <p:extLst>
       <p:ext uri="{BB962C8B-B14F-4D97-AF65-F5344CB8AC3E}">
@@ -3927,10 +4262,143 @@
           </a:p>
         </p:txBody>
       </p:sp>
+      <p:pic>
+        <p:nvPicPr>
+          <p:cNvPr id="4" name="Picture 2" descr="Vanderbilt University launches refreshed visual identity | Vanderbilt  University">
+            <a:extLst>
+              <a:ext uri="{FF2B5EF4-FFF2-40B4-BE49-F238E27FC236}">
+                <a16:creationId xmlns:a16="http://schemas.microsoft.com/office/drawing/2014/main" id="{816C729C-0B55-5615-2713-C2D38F6E7FDF}"/>
+              </a:ext>
+            </a:extLst>
+          </p:cNvPr>
+          <p:cNvPicPr>
+            <a:picLocks noChangeAspect="1" noChangeArrowheads="1"/>
+          </p:cNvPicPr>
+          <p:nvPr/>
+        </p:nvPicPr>
+        <p:blipFill>
+          <a:blip r:embed="rId2">
+            <a:extLst>
+              <a:ext uri="{28A0092B-C50C-407E-A947-70E740481C1C}">
+                <a14:useLocalDpi xmlns:a14="http://schemas.microsoft.com/office/drawing/2010/main" val="0"/>
+              </a:ext>
+            </a:extLst>
+          </a:blip>
+          <a:srcRect/>
+          <a:stretch>
+            <a:fillRect/>
+          </a:stretch>
+        </p:blipFill>
+        <p:spPr bwMode="auto">
+          <a:xfrm>
+            <a:off x="10011905" y="6187202"/>
+            <a:ext cx="2180095" cy="670798"/>
+          </a:xfrm>
+          <a:prstGeom prst="rect">
+            <a:avLst/>
+          </a:prstGeom>
+          <a:noFill/>
+          <a:extLst>
+            <a:ext uri="{909E8E84-426E-40DD-AFC4-6F175D3DCCD1}">
+              <a14:hiddenFill xmlns:a14="http://schemas.microsoft.com/office/drawing/2010/main">
+                <a:solidFill>
+                  <a:srgbClr val="FFFFFF"/>
+                </a:solidFill>
+              </a14:hiddenFill>
+            </a:ext>
+          </a:extLst>
+        </p:spPr>
+      </p:pic>
     </p:spTree>
     <p:extLst>
       <p:ext uri="{BB962C8B-B14F-4D97-AF65-F5344CB8AC3E}">
         <p14:creationId xmlns:p14="http://schemas.microsoft.com/office/powerpoint/2010/main" val="557535221"/>
+      </p:ext>
+    </p:extLst>
+  </p:cSld>
+  <p:clrMapOvr>
+    <a:masterClrMapping/>
+  </p:clrMapOvr>
+</p:sld>
+</file>
+
+<file path=ppt/slides/slide9.xml><?xml version="1.0" encoding="utf-8"?>
+<p:sld xmlns:a="http://schemas.openxmlformats.org/drawingml/2006/main" xmlns:r="http://schemas.openxmlformats.org/officeDocument/2006/relationships" xmlns:p="http://schemas.openxmlformats.org/presentationml/2006/main">
+  <p:cSld>
+    <p:spTree>
+      <p:nvGrpSpPr>
+        <p:cNvPr id="1" name=""/>
+        <p:cNvGrpSpPr/>
+        <p:nvPr/>
+      </p:nvGrpSpPr>
+      <p:grpSpPr>
+        <a:xfrm>
+          <a:off x="0" y="0"/>
+          <a:ext cx="0" cy="0"/>
+          <a:chOff x="0" y="0"/>
+          <a:chExt cx="0" cy="0"/>
+        </a:xfrm>
+      </p:grpSpPr>
+      <p:sp>
+        <p:nvSpPr>
+          <p:cNvPr id="2" name="Title 1">
+            <a:extLst>
+              <a:ext uri="{FF2B5EF4-FFF2-40B4-BE49-F238E27FC236}">
+                <a16:creationId xmlns:a16="http://schemas.microsoft.com/office/drawing/2014/main" id="{C45CD14F-32DB-E3CB-54BF-ACBE6C7666BC}"/>
+              </a:ext>
+            </a:extLst>
+          </p:cNvPr>
+          <p:cNvSpPr>
+            <a:spLocks noGrp="1"/>
+          </p:cNvSpPr>
+          <p:nvPr>
+            <p:ph type="title"/>
+          </p:nvPr>
+        </p:nvSpPr>
+        <p:spPr/>
+        <p:txBody>
+          <a:bodyPr/>
+          <a:lstStyle/>
+          <a:p>
+            <a:r>
+              <a:rPr lang="en-KR" dirty="0"/>
+              <a:t>Thank you!</a:t>
+            </a:r>
+          </a:p>
+        </p:txBody>
+      </p:sp>
+      <p:sp>
+        <p:nvSpPr>
+          <p:cNvPr id="3" name="Text Placeholder 2">
+            <a:extLst>
+              <a:ext uri="{FF2B5EF4-FFF2-40B4-BE49-F238E27FC236}">
+                <a16:creationId xmlns:a16="http://schemas.microsoft.com/office/drawing/2014/main" id="{6EF9F275-FECD-E39C-89B3-57F53373CB0F}"/>
+              </a:ext>
+            </a:extLst>
+          </p:cNvPr>
+          <p:cNvSpPr>
+            <a:spLocks noGrp="1"/>
+          </p:cNvSpPr>
+          <p:nvPr>
+            <p:ph type="body" idx="1"/>
+          </p:nvPr>
+        </p:nvSpPr>
+        <p:spPr/>
+        <p:txBody>
+          <a:bodyPr/>
+          <a:lstStyle/>
+          <a:p>
+            <a:r>
+              <a:rPr lang="en-KR" dirty="0"/>
+              <a:t>Any questions?</a:t>
+            </a:r>
+          </a:p>
+        </p:txBody>
+      </p:sp>
+    </p:spTree>
+    <p:extLst>
+      <p:ext uri="{BB962C8B-B14F-4D97-AF65-F5344CB8AC3E}">
+        <p14:creationId xmlns:p14="http://schemas.microsoft.com/office/powerpoint/2010/main" val="358257788"/>
       </p:ext>
     </p:extLst>
   </p:cSld>

--- a/doc/final_presentation.pptx
+++ b/doc/final_presentation.pptx
@@ -6,14 +6,16 @@
   </p:sldMasterIdLst>
   <p:sldIdLst>
     <p:sldId id="256" r:id="rId2"/>
-    <p:sldId id="257" r:id="rId3"/>
-    <p:sldId id="258" r:id="rId4"/>
-    <p:sldId id="259" r:id="rId5"/>
-    <p:sldId id="260" r:id="rId6"/>
-    <p:sldId id="262" r:id="rId7"/>
-    <p:sldId id="263" r:id="rId8"/>
-    <p:sldId id="261" r:id="rId9"/>
-    <p:sldId id="264" r:id="rId10"/>
+    <p:sldId id="266" r:id="rId3"/>
+    <p:sldId id="257" r:id="rId4"/>
+    <p:sldId id="258" r:id="rId5"/>
+    <p:sldId id="259" r:id="rId6"/>
+    <p:sldId id="260" r:id="rId7"/>
+    <p:sldId id="262" r:id="rId8"/>
+    <p:sldId id="265" r:id="rId9"/>
+    <p:sldId id="263" r:id="rId10"/>
+    <p:sldId id="267" r:id="rId11"/>
+    <p:sldId id="264" r:id="rId12"/>
   </p:sldIdLst>
   <p:sldSz cx="12192000" cy="6858000"/>
   <p:notesSz cx="6858000" cy="9144000"/>
@@ -3117,7 +3119,442 @@
 </p:sld>
 </file>
 
+<file path=ppt/slides/slide10.xml><?xml version="1.0" encoding="utf-8"?>
+<p:sld xmlns:a="http://schemas.openxmlformats.org/drawingml/2006/main" xmlns:r="http://schemas.openxmlformats.org/officeDocument/2006/relationships" xmlns:p="http://schemas.openxmlformats.org/presentationml/2006/main">
+  <p:cSld>
+    <p:spTree>
+      <p:nvGrpSpPr>
+        <p:cNvPr id="1" name=""/>
+        <p:cNvGrpSpPr/>
+        <p:nvPr/>
+      </p:nvGrpSpPr>
+      <p:grpSpPr>
+        <a:xfrm>
+          <a:off x="0" y="0"/>
+          <a:ext cx="0" cy="0"/>
+          <a:chOff x="0" y="0"/>
+          <a:chExt cx="0" cy="0"/>
+        </a:xfrm>
+      </p:grpSpPr>
+      <p:sp>
+        <p:nvSpPr>
+          <p:cNvPr id="2" name="Title 1">
+            <a:extLst>
+              <a:ext uri="{FF2B5EF4-FFF2-40B4-BE49-F238E27FC236}">
+                <a16:creationId xmlns:a16="http://schemas.microsoft.com/office/drawing/2014/main" id="{1984F0A2-F177-847B-CE60-61C03414C027}"/>
+              </a:ext>
+            </a:extLst>
+          </p:cNvPr>
+          <p:cNvSpPr>
+            <a:spLocks noGrp="1"/>
+          </p:cNvSpPr>
+          <p:nvPr>
+            <p:ph type="title"/>
+          </p:nvPr>
+        </p:nvSpPr>
+        <p:spPr/>
+        <p:txBody>
+          <a:bodyPr/>
+          <a:lstStyle/>
+          <a:p>
+            <a:r>
+              <a:rPr lang="en-KR" dirty="0"/>
+              <a:t>Future Work</a:t>
+            </a:r>
+          </a:p>
+        </p:txBody>
+      </p:sp>
+      <p:sp>
+        <p:nvSpPr>
+          <p:cNvPr id="3" name="Content Placeholder 2">
+            <a:extLst>
+              <a:ext uri="{FF2B5EF4-FFF2-40B4-BE49-F238E27FC236}">
+                <a16:creationId xmlns:a16="http://schemas.microsoft.com/office/drawing/2014/main" id="{C12E3C0E-FBB7-53B8-DE61-129B4DD20657}"/>
+              </a:ext>
+            </a:extLst>
+          </p:cNvPr>
+          <p:cNvSpPr>
+            <a:spLocks noGrp="1"/>
+          </p:cNvSpPr>
+          <p:nvPr>
+            <p:ph sz="half" idx="1"/>
+          </p:nvPr>
+        </p:nvSpPr>
+        <p:spPr/>
+        <p:txBody>
+          <a:bodyPr>
+            <a:normAutofit lnSpcReduction="10000"/>
+          </a:bodyPr>
+          <a:lstStyle/>
+          <a:p>
+            <a:r>
+              <a:rPr lang="en-US" dirty="0"/>
+              <a:t>Representing real-world decision scenarios in a synthetic environment.</a:t>
+            </a:r>
+          </a:p>
+          <a:p>
+            <a:r>
+              <a:rPr lang="en-US" dirty="0"/>
+              <a:t>Integrate advanced neural network verification tools like NNV or Marabou.</a:t>
+            </a:r>
+          </a:p>
+          <a:p>
+            <a:r>
+              <a:rPr lang="en-US" dirty="0"/>
+              <a:t>Explore mixed-precision </a:t>
+            </a:r>
+            <a:r>
+              <a:rPr lang="en-US" dirty="0" err="1"/>
+              <a:t>quantisation</a:t>
+            </a:r>
+            <a:r>
+              <a:rPr lang="en-US" dirty="0"/>
+              <a:t>.</a:t>
+            </a:r>
+          </a:p>
+          <a:p>
+            <a:r>
+              <a:rPr lang="en-US" dirty="0"/>
+              <a:t>Extend to larger, more complex neural networks.</a:t>
+            </a:r>
+          </a:p>
+          <a:p>
+            <a:endParaRPr lang="en-KR" dirty="0"/>
+          </a:p>
+        </p:txBody>
+      </p:sp>
+      <p:sp>
+        <p:nvSpPr>
+          <p:cNvPr id="4" name="Content Placeholder 3">
+            <a:extLst>
+              <a:ext uri="{FF2B5EF4-FFF2-40B4-BE49-F238E27FC236}">
+                <a16:creationId xmlns:a16="http://schemas.microsoft.com/office/drawing/2014/main" id="{AD27D48E-D74C-8636-BCA8-60E5B9B1F256}"/>
+              </a:ext>
+            </a:extLst>
+          </p:cNvPr>
+          <p:cNvSpPr>
+            <a:spLocks noGrp="1"/>
+          </p:cNvSpPr>
+          <p:nvPr>
+            <p:ph sz="half" idx="2"/>
+          </p:nvPr>
+        </p:nvSpPr>
+        <p:spPr/>
+        <p:txBody>
+          <a:bodyPr>
+            <a:normAutofit lnSpcReduction="10000"/>
+          </a:bodyPr>
+          <a:lstStyle/>
+          <a:p>
+            <a:r>
+              <a:rPr lang="en-US" dirty="0"/>
+              <a:t>Verification of original neural network does not guarantee verification of </a:t>
+            </a:r>
+            <a:r>
+              <a:rPr lang="en-US" dirty="0" err="1"/>
+              <a:t>quantised</a:t>
+            </a:r>
+            <a:r>
+              <a:rPr lang="en-US" dirty="0"/>
+              <a:t> neural network. </a:t>
+            </a:r>
+          </a:p>
+          <a:p>
+            <a:r>
+              <a:rPr lang="en-US" dirty="0"/>
+              <a:t>Thus, verification of </a:t>
+            </a:r>
+            <a:r>
+              <a:rPr lang="en-US" dirty="0" err="1"/>
+              <a:t>quantised</a:t>
+            </a:r>
+            <a:r>
+              <a:rPr lang="en-US" dirty="0"/>
+              <a:t> neural network does not guarantee verification of original neural network and interval neural network (representation of </a:t>
+            </a:r>
+            <a:r>
+              <a:rPr lang="en-US" dirty="0" err="1"/>
+              <a:t>unquantised</a:t>
+            </a:r>
+            <a:r>
+              <a:rPr lang="en-US" dirty="0"/>
+              <a:t> neural network).</a:t>
+            </a:r>
+          </a:p>
+          <a:p>
+            <a:endParaRPr lang="en-KR" dirty="0"/>
+          </a:p>
+        </p:txBody>
+      </p:sp>
+      <p:pic>
+        <p:nvPicPr>
+          <p:cNvPr id="5" name="Picture 2" descr="Vanderbilt University launches refreshed visual identity | Vanderbilt  University">
+            <a:extLst>
+              <a:ext uri="{FF2B5EF4-FFF2-40B4-BE49-F238E27FC236}">
+                <a16:creationId xmlns:a16="http://schemas.microsoft.com/office/drawing/2014/main" id="{B00F4EDD-2D7B-0334-4F1D-9BC9AFF930B9}"/>
+              </a:ext>
+            </a:extLst>
+          </p:cNvPr>
+          <p:cNvPicPr>
+            <a:picLocks noChangeAspect="1" noChangeArrowheads="1"/>
+          </p:cNvPicPr>
+          <p:nvPr/>
+        </p:nvPicPr>
+        <p:blipFill>
+          <a:blip r:embed="rId2">
+            <a:extLst>
+              <a:ext uri="{28A0092B-C50C-407E-A947-70E740481C1C}">
+                <a14:useLocalDpi xmlns:a14="http://schemas.microsoft.com/office/drawing/2010/main" val="0"/>
+              </a:ext>
+            </a:extLst>
+          </a:blip>
+          <a:srcRect/>
+          <a:stretch>
+            <a:fillRect/>
+          </a:stretch>
+        </p:blipFill>
+        <p:spPr bwMode="auto">
+          <a:xfrm>
+            <a:off x="10011905" y="6187202"/>
+            <a:ext cx="2180095" cy="670798"/>
+          </a:xfrm>
+          <a:prstGeom prst="rect">
+            <a:avLst/>
+          </a:prstGeom>
+          <a:noFill/>
+          <a:extLst>
+            <a:ext uri="{909E8E84-426E-40DD-AFC4-6F175D3DCCD1}">
+              <a14:hiddenFill xmlns:a14="http://schemas.microsoft.com/office/drawing/2010/main">
+                <a:solidFill>
+                  <a:srgbClr val="FFFFFF"/>
+                </a:solidFill>
+              </a14:hiddenFill>
+            </a:ext>
+          </a:extLst>
+        </p:spPr>
+      </p:pic>
+    </p:spTree>
+    <p:extLst>
+      <p:ext uri="{BB962C8B-B14F-4D97-AF65-F5344CB8AC3E}">
+        <p14:creationId xmlns:p14="http://schemas.microsoft.com/office/powerpoint/2010/main" val="4124516012"/>
+      </p:ext>
+    </p:extLst>
+  </p:cSld>
+  <p:clrMapOvr>
+    <a:masterClrMapping/>
+  </p:clrMapOvr>
+</p:sld>
+</file>
+
+<file path=ppt/slides/slide11.xml><?xml version="1.0" encoding="utf-8"?>
+<p:sld xmlns:a="http://schemas.openxmlformats.org/drawingml/2006/main" xmlns:r="http://schemas.openxmlformats.org/officeDocument/2006/relationships" xmlns:p="http://schemas.openxmlformats.org/presentationml/2006/main">
+  <p:cSld>
+    <p:spTree>
+      <p:nvGrpSpPr>
+        <p:cNvPr id="1" name=""/>
+        <p:cNvGrpSpPr/>
+        <p:nvPr/>
+      </p:nvGrpSpPr>
+      <p:grpSpPr>
+        <a:xfrm>
+          <a:off x="0" y="0"/>
+          <a:ext cx="0" cy="0"/>
+          <a:chOff x="0" y="0"/>
+          <a:chExt cx="0" cy="0"/>
+        </a:xfrm>
+      </p:grpSpPr>
+      <p:sp>
+        <p:nvSpPr>
+          <p:cNvPr id="2" name="Title 1">
+            <a:extLst>
+              <a:ext uri="{FF2B5EF4-FFF2-40B4-BE49-F238E27FC236}">
+                <a16:creationId xmlns:a16="http://schemas.microsoft.com/office/drawing/2014/main" id="{C45CD14F-32DB-E3CB-54BF-ACBE6C7666BC}"/>
+              </a:ext>
+            </a:extLst>
+          </p:cNvPr>
+          <p:cNvSpPr>
+            <a:spLocks noGrp="1"/>
+          </p:cNvSpPr>
+          <p:nvPr>
+            <p:ph type="title"/>
+          </p:nvPr>
+        </p:nvSpPr>
+        <p:spPr/>
+        <p:txBody>
+          <a:bodyPr/>
+          <a:lstStyle/>
+          <a:p>
+            <a:r>
+              <a:rPr lang="en-KR" dirty="0"/>
+              <a:t>Thank you!</a:t>
+            </a:r>
+          </a:p>
+        </p:txBody>
+      </p:sp>
+      <p:sp>
+        <p:nvSpPr>
+          <p:cNvPr id="3" name="Text Placeholder 2">
+            <a:extLst>
+              <a:ext uri="{FF2B5EF4-FFF2-40B4-BE49-F238E27FC236}">
+                <a16:creationId xmlns:a16="http://schemas.microsoft.com/office/drawing/2014/main" id="{6EF9F275-FECD-E39C-89B3-57F53373CB0F}"/>
+              </a:ext>
+            </a:extLst>
+          </p:cNvPr>
+          <p:cNvSpPr>
+            <a:spLocks noGrp="1"/>
+          </p:cNvSpPr>
+          <p:nvPr>
+            <p:ph type="body" idx="1"/>
+          </p:nvPr>
+        </p:nvSpPr>
+        <p:spPr/>
+        <p:txBody>
+          <a:bodyPr/>
+          <a:lstStyle/>
+          <a:p>
+            <a:r>
+              <a:rPr lang="en-KR" dirty="0"/>
+              <a:t>Any questions?</a:t>
+            </a:r>
+          </a:p>
+        </p:txBody>
+      </p:sp>
+    </p:spTree>
+    <p:extLst>
+      <p:ext uri="{BB962C8B-B14F-4D97-AF65-F5344CB8AC3E}">
+        <p14:creationId xmlns:p14="http://schemas.microsoft.com/office/powerpoint/2010/main" val="358257788"/>
+      </p:ext>
+    </p:extLst>
+  </p:cSld>
+  <p:clrMapOvr>
+    <a:masterClrMapping/>
+  </p:clrMapOvr>
+</p:sld>
+</file>
+
 <file path=ppt/slides/slide2.xml><?xml version="1.0" encoding="utf-8"?>
+<p:sld xmlns:a="http://schemas.openxmlformats.org/drawingml/2006/main" xmlns:r="http://schemas.openxmlformats.org/officeDocument/2006/relationships" xmlns:p="http://schemas.openxmlformats.org/presentationml/2006/main">
+  <p:cSld>
+    <p:spTree>
+      <p:nvGrpSpPr>
+        <p:cNvPr id="1" name=""/>
+        <p:cNvGrpSpPr/>
+        <p:nvPr/>
+      </p:nvGrpSpPr>
+      <p:grpSpPr>
+        <a:xfrm>
+          <a:off x="0" y="0"/>
+          <a:ext cx="0" cy="0"/>
+          <a:chOff x="0" y="0"/>
+          <a:chExt cx="0" cy="0"/>
+        </a:xfrm>
+      </p:grpSpPr>
+      <p:sp>
+        <p:nvSpPr>
+          <p:cNvPr id="2" name="Title 1">
+            <a:extLst>
+              <a:ext uri="{FF2B5EF4-FFF2-40B4-BE49-F238E27FC236}">
+                <a16:creationId xmlns:a16="http://schemas.microsoft.com/office/drawing/2014/main" id="{5D924500-3B34-A3C2-EA92-039146892AEC}"/>
+              </a:ext>
+            </a:extLst>
+          </p:cNvPr>
+          <p:cNvSpPr>
+            <a:spLocks noGrp="1"/>
+          </p:cNvSpPr>
+          <p:nvPr>
+            <p:ph type="title"/>
+          </p:nvPr>
+        </p:nvSpPr>
+        <p:spPr/>
+        <p:txBody>
+          <a:bodyPr/>
+          <a:lstStyle/>
+          <a:p>
+            <a:r>
+              <a:rPr lang="en-KR" dirty="0"/>
+              <a:t>Contents</a:t>
+            </a:r>
+          </a:p>
+        </p:txBody>
+      </p:sp>
+      <p:sp>
+        <p:nvSpPr>
+          <p:cNvPr id="3" name="Content Placeholder 2">
+            <a:extLst>
+              <a:ext uri="{FF2B5EF4-FFF2-40B4-BE49-F238E27FC236}">
+                <a16:creationId xmlns:a16="http://schemas.microsoft.com/office/drawing/2014/main" id="{D86FA042-5E89-0E8B-6864-8CA39DCA6D10}"/>
+              </a:ext>
+            </a:extLst>
+          </p:cNvPr>
+          <p:cNvSpPr>
+            <a:spLocks noGrp="1"/>
+          </p:cNvSpPr>
+          <p:nvPr>
+            <p:ph idx="1"/>
+          </p:nvPr>
+        </p:nvSpPr>
+        <p:spPr/>
+        <p:txBody>
+          <a:bodyPr/>
+          <a:lstStyle/>
+          <a:p>
+            <a:r>
+              <a:rPr lang="en-KR" dirty="0"/>
+              <a:t>Problem Satement</a:t>
+            </a:r>
+          </a:p>
+          <a:p>
+            <a:r>
+              <a:rPr lang="en-KR" dirty="0"/>
+              <a:t>Objectives</a:t>
+            </a:r>
+          </a:p>
+          <a:p>
+            <a:r>
+              <a:rPr lang="en-KR" dirty="0"/>
+              <a:t>Tools and Technologies</a:t>
+            </a:r>
+          </a:p>
+          <a:p>
+            <a:r>
+              <a:rPr lang="en-KR" dirty="0"/>
+              <a:t>Methodology</a:t>
+            </a:r>
+          </a:p>
+          <a:p>
+            <a:r>
+              <a:rPr lang="en-KR" dirty="0"/>
+              <a:t>Experimental Setup</a:t>
+            </a:r>
+          </a:p>
+          <a:p>
+            <a:r>
+              <a:rPr lang="en-KR" dirty="0"/>
+              <a:t>Results</a:t>
+            </a:r>
+          </a:p>
+          <a:p>
+            <a:r>
+              <a:rPr lang="en-KR" dirty="0"/>
+              <a:t>Future Work</a:t>
+            </a:r>
+          </a:p>
+        </p:txBody>
+      </p:sp>
+    </p:spTree>
+    <p:extLst>
+      <p:ext uri="{BB962C8B-B14F-4D97-AF65-F5344CB8AC3E}">
+        <p14:creationId xmlns:p14="http://schemas.microsoft.com/office/powerpoint/2010/main" val="1299163937"/>
+      </p:ext>
+    </p:extLst>
+  </p:cSld>
+  <p:clrMapOvr>
+    <a:masterClrMapping/>
+  </p:clrMapOvr>
+</p:sld>
+</file>
+
+<file path=ppt/slides/slide3.xml><?xml version="1.0" encoding="utf-8"?>
 <p:sld xmlns:a="http://schemas.openxmlformats.org/drawingml/2006/main" xmlns:r="http://schemas.openxmlformats.org/officeDocument/2006/relationships" xmlns:p="http://schemas.openxmlformats.org/presentationml/2006/main">
   <p:cSld>
     <p:spTree>
@@ -3295,7 +3732,7 @@
 </p:sld>
 </file>
 
-<file path=ppt/slides/slide3.xml><?xml version="1.0" encoding="utf-8"?>
+<file path=ppt/slides/slide4.xml><?xml version="1.0" encoding="utf-8"?>
 <p:sld xmlns:a="http://schemas.openxmlformats.org/drawingml/2006/main" xmlns:r="http://schemas.openxmlformats.org/officeDocument/2006/relationships" xmlns:p="http://schemas.openxmlformats.org/presentationml/2006/main">
   <p:cSld>
     <p:spTree>
@@ -3462,7 +3899,7 @@
 </p:sld>
 </file>
 
-<file path=ppt/slides/slide4.xml><?xml version="1.0" encoding="utf-8"?>
+<file path=ppt/slides/slide5.xml><?xml version="1.0" encoding="utf-8"?>
 <p:sld xmlns:a="http://schemas.openxmlformats.org/drawingml/2006/main" xmlns:r="http://schemas.openxmlformats.org/officeDocument/2006/relationships" xmlns:p="http://schemas.openxmlformats.org/presentationml/2006/main">
   <p:cSld>
     <p:spTree>
@@ -3661,7 +4098,7 @@
 </p:sld>
 </file>
 
-<file path=ppt/slides/slide5.xml><?xml version="1.0" encoding="utf-8"?>
+<file path=ppt/slides/slide6.xml><?xml version="1.0" encoding="utf-8"?>
 <p:sld xmlns:a="http://schemas.openxmlformats.org/drawingml/2006/main" xmlns:r="http://schemas.openxmlformats.org/officeDocument/2006/relationships" xmlns:p="http://schemas.openxmlformats.org/presentationml/2006/main">
   <p:cSld>
     <p:spTree>
@@ -3868,7 +4305,7 @@
 </p:sld>
 </file>
 
-<file path=ppt/slides/slide6.xml><?xml version="1.0" encoding="utf-8"?>
+<file path=ppt/slides/slide7.xml><?xml version="1.0" encoding="utf-8"?>
 <p:sld xmlns:a="http://schemas.openxmlformats.org/drawingml/2006/main" xmlns:r="http://schemas.openxmlformats.org/officeDocument/2006/relationships" xmlns:p="http://schemas.openxmlformats.org/presentationml/2006/main">
   <p:cSld>
     <p:spTree>
@@ -3931,10 +4368,87 @@
         </p:nvSpPr>
         <p:spPr/>
         <p:txBody>
-          <a:bodyPr/>
-          <a:lstStyle/>
-          <a:p>
-            <a:endParaRPr lang="en-KR"/>
+          <a:bodyPr>
+            <a:normAutofit fontScale="92500" lnSpcReduction="20000"/>
+          </a:bodyPr>
+          <a:lstStyle/>
+          <a:p>
+            <a:r>
+              <a:rPr lang="en-US" dirty="0"/>
+              <a:t>Environment:	</a:t>
+            </a:r>
+          </a:p>
+          <a:p>
+            <a:pPr lvl="1"/>
+            <a:r>
+              <a:rPr lang="en-US" dirty="0"/>
+              <a:t>Used the CartPole-v1 environment from Gymnasium as the testbed for evaluating policies under quantization techniques.</a:t>
+            </a:r>
+          </a:p>
+          <a:p>
+            <a:r>
+              <a:rPr lang="en-US" dirty="0"/>
+              <a:t>Baseline Model:</a:t>
+            </a:r>
+          </a:p>
+          <a:p>
+            <a:pPr lvl="1"/>
+            <a:r>
+              <a:rPr lang="en-US" dirty="0"/>
+              <a:t>Implemented a fully connected neural network (</a:t>
+            </a:r>
+            <a:r>
+              <a:rPr lang="en-US" dirty="0" err="1"/>
+              <a:t>PolicyNetwork</a:t>
+            </a:r>
+            <a:r>
+              <a:rPr lang="en-US" dirty="0"/>
+              <a:t>) to act as the policy model.</a:t>
+            </a:r>
+          </a:p>
+          <a:p>
+            <a:pPr lvl="1"/>
+            <a:r>
+              <a:rPr lang="en-US" dirty="0"/>
+              <a:t>Trained the baseline model using a reinforcement learning approach to maximize rewards.</a:t>
+            </a:r>
+          </a:p>
+          <a:p>
+            <a:r>
+              <a:rPr lang="en-US" dirty="0"/>
+              <a:t>Quantization Techniques:</a:t>
+            </a:r>
+          </a:p>
+          <a:p>
+            <a:pPr lvl="1"/>
+            <a:r>
+              <a:rPr lang="en-US" dirty="0"/>
+              <a:t>Post-Training Quantization (PTQ):</a:t>
+            </a:r>
+          </a:p>
+          <a:p>
+            <a:pPr lvl="2"/>
+            <a:r>
+              <a:rPr lang="en-US" dirty="0"/>
+              <a:t>Dynamically quantized the baseline model to reduce model size and improve inference speed.</a:t>
+            </a:r>
+          </a:p>
+          <a:p>
+            <a:pPr lvl="1"/>
+            <a:r>
+              <a:rPr lang="en-US" dirty="0"/>
+              <a:t>Quantization-Aware Training (QAT):</a:t>
+            </a:r>
+          </a:p>
+          <a:p>
+            <a:pPr lvl="2"/>
+            <a:r>
+              <a:rPr lang="en-US" dirty="0"/>
+              <a:t>Incorporated quantization simulation during training to improve post-quantization accuracy.</a:t>
+            </a:r>
+          </a:p>
+          <a:p>
+            <a:endParaRPr lang="en-KR" dirty="0"/>
           </a:p>
         </p:txBody>
       </p:sp>
@@ -3998,7 +4512,235 @@
 </p:sld>
 </file>
 
-<file path=ppt/slides/slide7.xml><?xml version="1.0" encoding="utf-8"?>
+<file path=ppt/slides/slide8.xml><?xml version="1.0" encoding="utf-8"?>
+<p:sld xmlns:a="http://schemas.openxmlformats.org/drawingml/2006/main" xmlns:r="http://schemas.openxmlformats.org/officeDocument/2006/relationships" xmlns:p="http://schemas.openxmlformats.org/presentationml/2006/main">
+  <p:cSld>
+    <p:spTree>
+      <p:nvGrpSpPr>
+        <p:cNvPr id="1" name="">
+          <a:extLst>
+            <a:ext uri="{FF2B5EF4-FFF2-40B4-BE49-F238E27FC236}">
+              <a16:creationId xmlns:a16="http://schemas.microsoft.com/office/drawing/2014/main" id="{E4EC9CF4-E200-BA5B-56F9-180E5C512DB3}"/>
+            </a:ext>
+          </a:extLst>
+        </p:cNvPr>
+        <p:cNvGrpSpPr/>
+        <p:nvPr/>
+      </p:nvGrpSpPr>
+      <p:grpSpPr>
+        <a:xfrm>
+          <a:off x="0" y="0"/>
+          <a:ext cx="0" cy="0"/>
+          <a:chOff x="0" y="0"/>
+          <a:chExt cx="0" cy="0"/>
+        </a:xfrm>
+      </p:grpSpPr>
+      <p:sp>
+        <p:nvSpPr>
+          <p:cNvPr id="2" name="Title 1">
+            <a:extLst>
+              <a:ext uri="{FF2B5EF4-FFF2-40B4-BE49-F238E27FC236}">
+                <a16:creationId xmlns:a16="http://schemas.microsoft.com/office/drawing/2014/main" id="{F53036CB-C0BD-A48D-2D84-552D1429D9BC}"/>
+              </a:ext>
+            </a:extLst>
+          </p:cNvPr>
+          <p:cNvSpPr>
+            <a:spLocks noGrp="1"/>
+          </p:cNvSpPr>
+          <p:nvPr>
+            <p:ph type="title"/>
+          </p:nvPr>
+        </p:nvSpPr>
+        <p:spPr/>
+        <p:txBody>
+          <a:bodyPr/>
+          <a:lstStyle/>
+          <a:p>
+            <a:r>
+              <a:rPr lang="en-KR" dirty="0"/>
+              <a:t>Experimental Setup</a:t>
+            </a:r>
+          </a:p>
+        </p:txBody>
+      </p:sp>
+      <p:sp>
+        <p:nvSpPr>
+          <p:cNvPr id="3" name="Content Placeholder 2">
+            <a:extLst>
+              <a:ext uri="{FF2B5EF4-FFF2-40B4-BE49-F238E27FC236}">
+                <a16:creationId xmlns:a16="http://schemas.microsoft.com/office/drawing/2014/main" id="{7F7A679C-000C-75F6-0161-4897546D41B6}"/>
+              </a:ext>
+            </a:extLst>
+          </p:cNvPr>
+          <p:cNvSpPr>
+            <a:spLocks noGrp="1"/>
+          </p:cNvSpPr>
+          <p:nvPr>
+            <p:ph idx="1"/>
+          </p:nvPr>
+        </p:nvSpPr>
+        <p:spPr/>
+        <p:txBody>
+          <a:bodyPr>
+            <a:normAutofit fontScale="92500" lnSpcReduction="20000"/>
+          </a:bodyPr>
+          <a:lstStyle/>
+          <a:p>
+            <a:r>
+              <a:rPr lang="en-US" dirty="0"/>
+              <a:t>Interval Neural Networks (INN):</a:t>
+            </a:r>
+          </a:p>
+          <a:p>
+            <a:pPr lvl="1"/>
+            <a:r>
+              <a:rPr lang="en-US" dirty="0"/>
+              <a:t>Used for verification of consistency between quantized and unquantized models.</a:t>
+            </a:r>
+          </a:p>
+          <a:p>
+            <a:pPr lvl="1"/>
+            <a:r>
+              <a:rPr lang="en-US" dirty="0"/>
+              <a:t>Propagated input intervals through the network to ensure decisions remain within tolerable bounds.</a:t>
+            </a:r>
+          </a:p>
+          <a:p>
+            <a:r>
+              <a:rPr lang="en-US" dirty="0"/>
+              <a:t>Evaluation Metrics:</a:t>
+            </a:r>
+          </a:p>
+          <a:p>
+            <a:pPr lvl="1"/>
+            <a:r>
+              <a:rPr lang="en-US" dirty="0"/>
+              <a:t>Reward Comparison:</a:t>
+            </a:r>
+          </a:p>
+          <a:p>
+            <a:pPr lvl="2"/>
+            <a:r>
+              <a:rPr lang="en-US" dirty="0"/>
+              <a:t>Measured average rewards over 10 episodes for both baseline and quantized models.</a:t>
+            </a:r>
+          </a:p>
+          <a:p>
+            <a:pPr lvl="1"/>
+            <a:r>
+              <a:rPr lang="en-US" dirty="0"/>
+              <a:t>Decision Consistency:</a:t>
+            </a:r>
+          </a:p>
+          <a:p>
+            <a:pPr lvl="2"/>
+            <a:r>
+              <a:rPr lang="en-US" dirty="0"/>
+              <a:t>Verified that outputs of quantized models were consistent with the baseline model using interval bounds.</a:t>
+            </a:r>
+          </a:p>
+          <a:p>
+            <a:r>
+              <a:rPr lang="en-US" dirty="0"/>
+              <a:t>Hardware:</a:t>
+            </a:r>
+          </a:p>
+          <a:p>
+            <a:pPr lvl="1"/>
+            <a:r>
+              <a:rPr lang="en-US" dirty="0"/>
+              <a:t>Experiments conducted on CPU with </a:t>
+            </a:r>
+            <a:r>
+              <a:rPr lang="en-US" dirty="0" err="1"/>
+              <a:t>PyTorch's</a:t>
+            </a:r>
+            <a:r>
+              <a:rPr lang="en-US" dirty="0"/>
+              <a:t> </a:t>
+            </a:r>
+            <a:r>
+              <a:rPr lang="en-US" dirty="0" err="1"/>
+              <a:t>qnnpack</a:t>
+            </a:r>
+            <a:r>
+              <a:rPr lang="en-US" dirty="0"/>
+              <a:t> quantized backend.</a:t>
+            </a:r>
+          </a:p>
+          <a:p>
+            <a:pPr lvl="1"/>
+            <a:r>
+              <a:rPr lang="en-US" dirty="0"/>
+              <a:t>Incorporated optional GPU acceleration for baseline model evaluation.</a:t>
+            </a:r>
+          </a:p>
+          <a:p>
+            <a:endParaRPr lang="en-KR" dirty="0"/>
+          </a:p>
+        </p:txBody>
+      </p:sp>
+      <p:pic>
+        <p:nvPicPr>
+          <p:cNvPr id="4" name="Picture 2" descr="Vanderbilt University launches refreshed visual identity | Vanderbilt  University">
+            <a:extLst>
+              <a:ext uri="{FF2B5EF4-FFF2-40B4-BE49-F238E27FC236}">
+                <a16:creationId xmlns:a16="http://schemas.microsoft.com/office/drawing/2014/main" id="{763F207D-8822-541B-4F08-3B07646B144D}"/>
+              </a:ext>
+            </a:extLst>
+          </p:cNvPr>
+          <p:cNvPicPr>
+            <a:picLocks noChangeAspect="1" noChangeArrowheads="1"/>
+          </p:cNvPicPr>
+          <p:nvPr/>
+        </p:nvPicPr>
+        <p:blipFill>
+          <a:blip r:embed="rId2">
+            <a:extLst>
+              <a:ext uri="{28A0092B-C50C-407E-A947-70E740481C1C}">
+                <a14:useLocalDpi xmlns:a14="http://schemas.microsoft.com/office/drawing/2010/main" val="0"/>
+              </a:ext>
+            </a:extLst>
+          </a:blip>
+          <a:srcRect/>
+          <a:stretch>
+            <a:fillRect/>
+          </a:stretch>
+        </p:blipFill>
+        <p:spPr bwMode="auto">
+          <a:xfrm>
+            <a:off x="10011905" y="6187202"/>
+            <a:ext cx="2180095" cy="670798"/>
+          </a:xfrm>
+          <a:prstGeom prst="rect">
+            <a:avLst/>
+          </a:prstGeom>
+          <a:noFill/>
+          <a:extLst>
+            <a:ext uri="{909E8E84-426E-40DD-AFC4-6F175D3DCCD1}">
+              <a14:hiddenFill xmlns:a14="http://schemas.microsoft.com/office/drawing/2010/main">
+                <a:solidFill>
+                  <a:srgbClr val="FFFFFF"/>
+                </a:solidFill>
+              </a14:hiddenFill>
+            </a:ext>
+          </a:extLst>
+        </p:spPr>
+      </p:pic>
+    </p:spTree>
+    <p:extLst>
+      <p:ext uri="{BB962C8B-B14F-4D97-AF65-F5344CB8AC3E}">
+        <p14:creationId xmlns:p14="http://schemas.microsoft.com/office/powerpoint/2010/main" val="2138055898"/>
+      </p:ext>
+    </p:extLst>
+  </p:cSld>
+  <p:clrMapOvr>
+    <a:masterClrMapping/>
+  </p:clrMapOvr>
+</p:sld>
+</file>
+
+<file path=ppt/slides/slide9.xml><?xml version="1.0" encoding="utf-8"?>
 <p:sld xmlns:a="http://schemas.openxmlformats.org/drawingml/2006/main" xmlns:r="http://schemas.openxmlformats.org/officeDocument/2006/relationships" xmlns:p="http://schemas.openxmlformats.org/presentationml/2006/main">
   <p:cSld>
     <p:spTree>
@@ -4119,286 +4861,6 @@
     <p:extLst>
       <p:ext uri="{BB962C8B-B14F-4D97-AF65-F5344CB8AC3E}">
         <p14:creationId xmlns:p14="http://schemas.microsoft.com/office/powerpoint/2010/main" val="3051217756"/>
-      </p:ext>
-    </p:extLst>
-  </p:cSld>
-  <p:clrMapOvr>
-    <a:masterClrMapping/>
-  </p:clrMapOvr>
-</p:sld>
-</file>
-
-<file path=ppt/slides/slide8.xml><?xml version="1.0" encoding="utf-8"?>
-<p:sld xmlns:a="http://schemas.openxmlformats.org/drawingml/2006/main" xmlns:r="http://schemas.openxmlformats.org/officeDocument/2006/relationships" xmlns:p="http://schemas.openxmlformats.org/presentationml/2006/main">
-  <p:cSld>
-    <p:spTree>
-      <p:nvGrpSpPr>
-        <p:cNvPr id="1" name=""/>
-        <p:cNvGrpSpPr/>
-        <p:nvPr/>
-      </p:nvGrpSpPr>
-      <p:grpSpPr>
-        <a:xfrm>
-          <a:off x="0" y="0"/>
-          <a:ext cx="0" cy="0"/>
-          <a:chOff x="0" y="0"/>
-          <a:chExt cx="0" cy="0"/>
-        </a:xfrm>
-      </p:grpSpPr>
-      <p:sp>
-        <p:nvSpPr>
-          <p:cNvPr id="2" name="Title 1">
-            <a:extLst>
-              <a:ext uri="{FF2B5EF4-FFF2-40B4-BE49-F238E27FC236}">
-                <a16:creationId xmlns:a16="http://schemas.microsoft.com/office/drawing/2014/main" id="{93720525-99B1-E0A6-5824-7C9BE152DFC9}"/>
-              </a:ext>
-            </a:extLst>
-          </p:cNvPr>
-          <p:cNvSpPr>
-            <a:spLocks noGrp="1"/>
-          </p:cNvSpPr>
-          <p:nvPr>
-            <p:ph type="title"/>
-          </p:nvPr>
-        </p:nvSpPr>
-        <p:spPr/>
-        <p:txBody>
-          <a:bodyPr/>
-          <a:lstStyle/>
-          <a:p>
-            <a:r>
-              <a:rPr lang="en-KR" dirty="0"/>
-              <a:t>Future Work</a:t>
-            </a:r>
-          </a:p>
-        </p:txBody>
-      </p:sp>
-      <p:sp>
-        <p:nvSpPr>
-          <p:cNvPr id="3" name="Content Placeholder 2">
-            <a:extLst>
-              <a:ext uri="{FF2B5EF4-FFF2-40B4-BE49-F238E27FC236}">
-                <a16:creationId xmlns:a16="http://schemas.microsoft.com/office/drawing/2014/main" id="{031232F2-8BD5-5D4D-B161-087CFD44E678}"/>
-              </a:ext>
-            </a:extLst>
-          </p:cNvPr>
-          <p:cNvSpPr>
-            <a:spLocks noGrp="1"/>
-          </p:cNvSpPr>
-          <p:nvPr>
-            <p:ph idx="1"/>
-          </p:nvPr>
-        </p:nvSpPr>
-        <p:spPr/>
-        <p:txBody>
-          <a:bodyPr>
-            <a:normAutofit fontScale="92500"/>
-          </a:bodyPr>
-          <a:lstStyle/>
-          <a:p>
-            <a:r>
-              <a:rPr lang="en-US" dirty="0"/>
-              <a:t>Representing real-world decision scenarios in a synthetic environment.</a:t>
-            </a:r>
-          </a:p>
-          <a:p>
-            <a:r>
-              <a:rPr lang="en-US" dirty="0"/>
-              <a:t>Integrate advanced neural network verification tools like NNV or Marabou.</a:t>
-            </a:r>
-          </a:p>
-          <a:p>
-            <a:r>
-              <a:rPr lang="en-US" dirty="0"/>
-              <a:t>Explore mixed-precision </a:t>
-            </a:r>
-            <a:r>
-              <a:rPr lang="en-US" dirty="0" err="1"/>
-              <a:t>quantisation</a:t>
-            </a:r>
-            <a:r>
-              <a:rPr lang="en-US" dirty="0"/>
-              <a:t>.</a:t>
-            </a:r>
-          </a:p>
-          <a:p>
-            <a:r>
-              <a:rPr lang="en-US" dirty="0"/>
-              <a:t>Extend to larger, more complex neural networks.</a:t>
-            </a:r>
-          </a:p>
-          <a:p>
-            <a:r>
-              <a:rPr lang="en-US" dirty="0"/>
-              <a:t>Verification of original neural network does not guarantee verification of </a:t>
-            </a:r>
-            <a:r>
-              <a:rPr lang="en-US" dirty="0" err="1"/>
-              <a:t>quantised</a:t>
-            </a:r>
-            <a:r>
-              <a:rPr lang="en-US" dirty="0"/>
-              <a:t> neural network. Thus, verification of </a:t>
-            </a:r>
-            <a:r>
-              <a:rPr lang="en-US" dirty="0" err="1"/>
-              <a:t>quantised</a:t>
-            </a:r>
-            <a:r>
-              <a:rPr lang="en-US" dirty="0"/>
-              <a:t> neural network does not guarantee verification of original neural network and interval neural network (representation of </a:t>
-            </a:r>
-            <a:r>
-              <a:rPr lang="en-US" dirty="0" err="1"/>
-              <a:t>unquantised</a:t>
-            </a:r>
-            <a:r>
-              <a:rPr lang="en-US" dirty="0"/>
-              <a:t> neural network).</a:t>
-            </a:r>
-          </a:p>
-          <a:p>
-            <a:endParaRPr lang="en-US" dirty="0"/>
-          </a:p>
-        </p:txBody>
-      </p:sp>
-      <p:pic>
-        <p:nvPicPr>
-          <p:cNvPr id="4" name="Picture 2" descr="Vanderbilt University launches refreshed visual identity | Vanderbilt  University">
-            <a:extLst>
-              <a:ext uri="{FF2B5EF4-FFF2-40B4-BE49-F238E27FC236}">
-                <a16:creationId xmlns:a16="http://schemas.microsoft.com/office/drawing/2014/main" id="{816C729C-0B55-5615-2713-C2D38F6E7FDF}"/>
-              </a:ext>
-            </a:extLst>
-          </p:cNvPr>
-          <p:cNvPicPr>
-            <a:picLocks noChangeAspect="1" noChangeArrowheads="1"/>
-          </p:cNvPicPr>
-          <p:nvPr/>
-        </p:nvPicPr>
-        <p:blipFill>
-          <a:blip r:embed="rId2">
-            <a:extLst>
-              <a:ext uri="{28A0092B-C50C-407E-A947-70E740481C1C}">
-                <a14:useLocalDpi xmlns:a14="http://schemas.microsoft.com/office/drawing/2010/main" val="0"/>
-              </a:ext>
-            </a:extLst>
-          </a:blip>
-          <a:srcRect/>
-          <a:stretch>
-            <a:fillRect/>
-          </a:stretch>
-        </p:blipFill>
-        <p:spPr bwMode="auto">
-          <a:xfrm>
-            <a:off x="10011905" y="6187202"/>
-            <a:ext cx="2180095" cy="670798"/>
-          </a:xfrm>
-          <a:prstGeom prst="rect">
-            <a:avLst/>
-          </a:prstGeom>
-          <a:noFill/>
-          <a:extLst>
-            <a:ext uri="{909E8E84-426E-40DD-AFC4-6F175D3DCCD1}">
-              <a14:hiddenFill xmlns:a14="http://schemas.microsoft.com/office/drawing/2010/main">
-                <a:solidFill>
-                  <a:srgbClr val="FFFFFF"/>
-                </a:solidFill>
-              </a14:hiddenFill>
-            </a:ext>
-          </a:extLst>
-        </p:spPr>
-      </p:pic>
-    </p:spTree>
-    <p:extLst>
-      <p:ext uri="{BB962C8B-B14F-4D97-AF65-F5344CB8AC3E}">
-        <p14:creationId xmlns:p14="http://schemas.microsoft.com/office/powerpoint/2010/main" val="557535221"/>
-      </p:ext>
-    </p:extLst>
-  </p:cSld>
-  <p:clrMapOvr>
-    <a:masterClrMapping/>
-  </p:clrMapOvr>
-</p:sld>
-</file>
-
-<file path=ppt/slides/slide9.xml><?xml version="1.0" encoding="utf-8"?>
-<p:sld xmlns:a="http://schemas.openxmlformats.org/drawingml/2006/main" xmlns:r="http://schemas.openxmlformats.org/officeDocument/2006/relationships" xmlns:p="http://schemas.openxmlformats.org/presentationml/2006/main">
-  <p:cSld>
-    <p:spTree>
-      <p:nvGrpSpPr>
-        <p:cNvPr id="1" name=""/>
-        <p:cNvGrpSpPr/>
-        <p:nvPr/>
-      </p:nvGrpSpPr>
-      <p:grpSpPr>
-        <a:xfrm>
-          <a:off x="0" y="0"/>
-          <a:ext cx="0" cy="0"/>
-          <a:chOff x="0" y="0"/>
-          <a:chExt cx="0" cy="0"/>
-        </a:xfrm>
-      </p:grpSpPr>
-      <p:sp>
-        <p:nvSpPr>
-          <p:cNvPr id="2" name="Title 1">
-            <a:extLst>
-              <a:ext uri="{FF2B5EF4-FFF2-40B4-BE49-F238E27FC236}">
-                <a16:creationId xmlns:a16="http://schemas.microsoft.com/office/drawing/2014/main" id="{C45CD14F-32DB-E3CB-54BF-ACBE6C7666BC}"/>
-              </a:ext>
-            </a:extLst>
-          </p:cNvPr>
-          <p:cNvSpPr>
-            <a:spLocks noGrp="1"/>
-          </p:cNvSpPr>
-          <p:nvPr>
-            <p:ph type="title"/>
-          </p:nvPr>
-        </p:nvSpPr>
-        <p:spPr/>
-        <p:txBody>
-          <a:bodyPr/>
-          <a:lstStyle/>
-          <a:p>
-            <a:r>
-              <a:rPr lang="en-KR" dirty="0"/>
-              <a:t>Thank you!</a:t>
-            </a:r>
-          </a:p>
-        </p:txBody>
-      </p:sp>
-      <p:sp>
-        <p:nvSpPr>
-          <p:cNvPr id="3" name="Text Placeholder 2">
-            <a:extLst>
-              <a:ext uri="{FF2B5EF4-FFF2-40B4-BE49-F238E27FC236}">
-                <a16:creationId xmlns:a16="http://schemas.microsoft.com/office/drawing/2014/main" id="{6EF9F275-FECD-E39C-89B3-57F53373CB0F}"/>
-              </a:ext>
-            </a:extLst>
-          </p:cNvPr>
-          <p:cNvSpPr>
-            <a:spLocks noGrp="1"/>
-          </p:cNvSpPr>
-          <p:nvPr>
-            <p:ph type="body" idx="1"/>
-          </p:nvPr>
-        </p:nvSpPr>
-        <p:spPr/>
-        <p:txBody>
-          <a:bodyPr/>
-          <a:lstStyle/>
-          <a:p>
-            <a:r>
-              <a:rPr lang="en-KR" dirty="0"/>
-              <a:t>Any questions?</a:t>
-            </a:r>
-          </a:p>
-        </p:txBody>
-      </p:sp>
-    </p:spTree>
-    <p:extLst>
-      <p:ext uri="{BB962C8B-B14F-4D97-AF65-F5344CB8AC3E}">
-        <p14:creationId xmlns:p14="http://schemas.microsoft.com/office/powerpoint/2010/main" val="358257788"/>
       </p:ext>
     </p:extLst>
   </p:cSld>
